--- a/Projekt SDA.pptx
+++ b/Projekt SDA.pptx
@@ -1040,15 +1040,7 @@
             </a:pPr>
             <a:r>
               <a:rPr lang="pl-PL" dirty="0"/>
-              <a:t>Założenie: poszczególne modele osobne dla rodzajów kuchni ze względu  na specyficzność nazewnictwa (np. potraw) - mogą mieć różną skuteczność działania. Dla przykładu utworzone zostały osobne modele dla kuchni amerykańskiej, europejskiej oraz wegetariańskiej. Należy jednak pamiętać, że poszczególne zbiory były wycinkiem i tak już okrojonych danych </a:t>
-            </a:r>
-            <a:r>
-              <a:rPr lang="pl-PL" dirty="0" err="1"/>
-              <a:t>danych</a:t>
-            </a:r>
-            <a:r>
-              <a:rPr lang="pl-PL" dirty="0"/>
-              <a:t> i np. dane dla kuchni wegetariańskiej były mocno niezbalansowane (1:10)</a:t>
+              <a:t>Założenie: osobne modele dla poszczególnych rodzajów kuchni mogą mieć różną skuteczność działania ze względu  na specyficzność nazewnictwa (np. potraw). Dla przykładu utworzone zostały osobne modele dla kuchni amerykańskiej, europejskiej oraz wegetariańskiej. Należy jednak pamiętać, że poszczególne zbiory były wycinkiem i tak już okrojonych danych i np. dane dla kuchni wegetariańskiej były mocno niezbalansowane (1:10)</a:t>
             </a:r>
           </a:p>
           <a:p>
@@ -1373,7 +1365,7 @@
               </a:spcAft>
               <a:buNone/>
             </a:pPr>
-            <a:endParaRPr/>
+            <a:endParaRPr dirty="0"/>
           </a:p>
         </p:txBody>
       </p:sp>
@@ -1695,7 +1687,7 @@
             </a:r>
             <a:r>
               <a:rPr lang="pl-PL" b="1" dirty="0"/>
-              <a:t> wybrana została dane z opinią opisową wystawioną przez klientów restauracji.</a:t>
+              <a:t> wybrane zostały dane z opinią opisową wystawioną przez klientów restauracji.</a:t>
             </a:r>
           </a:p>
           <a:p>
@@ -1711,7 +1703,7 @@
             </a:pPr>
             <a:r>
               <a:rPr lang="pl-PL" dirty="0"/>
-              <a:t>Większość rekordów posiadało opisową ocenę w dwóch ciągach tekstowych  - zrobiłyśmy przetworzenie, które taki rekord rozdzieliło na dwa osobne</a:t>
+              <a:t>Większość rekordów miało opisową ocenę w dwóch ciągach tekstowych – rozdzieliłyśmy takie rekordy na dwa osobne</a:t>
             </a:r>
           </a:p>
           <a:p>
@@ -1930,7 +1922,7 @@
             </a:pPr>
             <a:r>
               <a:rPr lang="pl-PL" dirty="0"/>
-              <a:t>Ocena była średnią wystawionych ocen - a komentarze były przypisane tylko dwa (nie znamy sposobu doboru wybranej recenzji)</a:t>
+              <a:t>Ocena była średnią wystawionych ocen (wielu), a w zbiorze były tylko po dwie recenzje na punkt (nie znamy sposobu doboru wybranej recenzji)</a:t>
             </a:r>
           </a:p>
           <a:p>
@@ -2050,7 +2042,7 @@
             </a:pPr>
             <a:r>
               <a:rPr lang="pl-PL" dirty="0"/>
-              <a:t>Większość ocen mieściła się w przedziale 3.5 - 4.5 (średnia ocena).</a:t>
+              <a:t>Większość ocen mieściła się w przedziale od 3.5 do 4.5 (średnia ocena).</a:t>
             </a:r>
           </a:p>
           <a:p>
@@ -8183,8 +8175,8 @@
         </p:nvSpPr>
         <p:spPr>
           <a:xfrm>
-            <a:off x="1680302" y="1188925"/>
-            <a:ext cx="5783400" cy="1457400"/>
+            <a:off x="1680302" y="776377"/>
+            <a:ext cx="5783400" cy="1451395"/>
           </a:xfrm>
           <a:prstGeom prst="rect">
             <a:avLst/>
@@ -8192,7 +8184,7 @@
         </p:spPr>
         <p:txBody>
           <a:bodyPr spcFirstLastPara="1" wrap="square" lIns="91425" tIns="91425" rIns="91425" bIns="91425" anchor="b" anchorCtr="0">
-            <a:normAutofit/>
+            <a:noAutofit/>
           </a:bodyPr>
           <a:lstStyle/>
           <a:p>
@@ -8206,10 +8198,23 @@
               <a:buNone/>
             </a:pPr>
             <a:r>
-              <a:rPr lang="pl"/>
-              <a:t>Projekt końcowy SDA</a:t>
+              <a:rPr lang="pl-PL" sz="2800" dirty="0"/>
+              <a:t>Analiza pozytywności </a:t>
             </a:r>
-            <a:endParaRPr/>
+            <a:br>
+              <a:rPr lang="pl-PL" sz="2800" dirty="0"/>
+            </a:br>
+            <a:r>
+              <a:rPr lang="pl-PL" sz="2800" dirty="0"/>
+              <a:t>w opiniach</a:t>
+            </a:r>
+            <a:br>
+              <a:rPr lang="pl-PL" sz="2800" dirty="0"/>
+            </a:br>
+            <a:r>
+              <a:rPr lang="pl-PL" sz="2800" dirty="0"/>
+              <a:t>o punktach gastronomicznych</a:t>
+            </a:r>
           </a:p>
         </p:txBody>
       </p:sp>
@@ -8225,8 +8230,8 @@
         </p:nvSpPr>
         <p:spPr>
           <a:xfrm>
-            <a:off x="1680302" y="3049450"/>
-            <a:ext cx="5783400" cy="909000"/>
+            <a:off x="1680302" y="2915728"/>
+            <a:ext cx="5783400" cy="1451395"/>
           </a:xfrm>
           <a:prstGeom prst="rect">
             <a:avLst/>
@@ -8234,7 +8239,7 @@
         </p:spPr>
         <p:txBody>
           <a:bodyPr spcFirstLastPara="1" wrap="square" lIns="91425" tIns="91425" rIns="91425" bIns="91425" anchor="t" anchorCtr="0">
-            <a:normAutofit lnSpcReduction="10000"/>
+            <a:normAutofit/>
           </a:bodyPr>
           <a:lstStyle/>
           <a:p>
@@ -8247,14 +8252,22 @@
               </a:spcAft>
               <a:buNone/>
             </a:pPr>
-            <a:r>
-              <a:rPr lang="pl"/>
-              <a:t>Analiza pozytywności w opiniach</a:t>
-            </a:r>
-            <a:endParaRPr/>
-          </a:p>
-          <a:p>
-            <a:pPr marL="0" lvl="0" indent="0" algn="ctr" rtl="0">
+            <a:endParaRPr lang="pl" dirty="0"/>
+          </a:p>
+          <a:p>
+            <a:pPr marL="0" lvl="0" indent="0" algn="r" rtl="0">
+              <a:spcBef>
+                <a:spcPts val="0"/>
+              </a:spcBef>
+              <a:spcAft>
+                <a:spcPts val="0"/>
+              </a:spcAft>
+              <a:buNone/>
+            </a:pPr>
+            <a:endParaRPr lang="pl" sz="1700" dirty="0"/>
+          </a:p>
+          <a:p>
+            <a:pPr marL="0" lvl="0" indent="0" algn="r" rtl="0">
               <a:spcBef>
                 <a:spcPts val="0"/>
               </a:spcBef>
@@ -8264,10 +8277,36 @@
               <a:buNone/>
             </a:pPr>
             <a:r>
-              <a:rPr lang="pl"/>
-              <a:t>o punktach gastronomicznych</a:t>
+              <a:rPr lang="pl" sz="1700" dirty="0"/>
+              <a:t>Maria Filipkowska,</a:t>
             </a:r>
-            <a:endParaRPr/>
+          </a:p>
+          <a:p>
+            <a:pPr marL="0" lvl="0" indent="0" algn="r" rtl="0">
+              <a:spcBef>
+                <a:spcPts val="0"/>
+              </a:spcBef>
+              <a:spcAft>
+                <a:spcPts val="0"/>
+              </a:spcAft>
+              <a:buNone/>
+            </a:pPr>
+            <a:r>
+              <a:rPr lang="pl" sz="1700" dirty="0"/>
+              <a:t>Marta Skrodzka-Paruzel    </a:t>
+            </a:r>
+          </a:p>
+          <a:p>
+            <a:pPr marL="0" lvl="0" indent="0" algn="ctr" rtl="0">
+              <a:spcBef>
+                <a:spcPts val="0"/>
+              </a:spcBef>
+              <a:spcAft>
+                <a:spcPts val="0"/>
+              </a:spcAft>
+              <a:buNone/>
+            </a:pPr>
+            <a:endParaRPr lang="pl" dirty="0"/>
           </a:p>
         </p:txBody>
       </p:sp>

--- a/Projekt SDA.pptx
+++ b/Projekt SDA.pptx
@@ -5,7 +5,7 @@
     <p:sldMasterId id="2147483659" r:id="rId1"/>
   </p:sldMasterIdLst>
   <p:notesMasterIdLst>
-    <p:notesMasterId r:id="rId16"/>
+    <p:notesMasterId r:id="rId15"/>
   </p:notesMasterIdLst>
   <p:sldIdLst>
     <p:sldId id="256" r:id="rId2"/>
@@ -20,23 +20,22 @@
     <p:sldId id="265" r:id="rId11"/>
     <p:sldId id="266" r:id="rId12"/>
     <p:sldId id="267" r:id="rId13"/>
-    <p:sldId id="268" r:id="rId14"/>
-    <p:sldId id="269" r:id="rId15"/>
+    <p:sldId id="269" r:id="rId14"/>
   </p:sldIdLst>
   <p:sldSz cx="9144000" cy="5143500" type="screen16x9"/>
   <p:notesSz cx="6858000" cy="9144000"/>
   <p:embeddedFontLst>
     <p:embeddedFont>
       <p:font typeface="Roboto" panose="02000000000000000000" pitchFamily="2" charset="0"/>
-      <p:regular r:id="rId17"/>
-      <p:bold r:id="rId18"/>
-      <p:italic r:id="rId19"/>
-      <p:boldItalic r:id="rId20"/>
+      <p:regular r:id="rId16"/>
+      <p:bold r:id="rId17"/>
+      <p:italic r:id="rId18"/>
+      <p:boldItalic r:id="rId19"/>
     </p:embeddedFont>
     <p:embeddedFont>
       <p:font typeface="Roboto Slab" panose="020B0604020202020204" charset="0"/>
-      <p:regular r:id="rId21"/>
-      <p:bold r:id="rId22"/>
+      <p:regular r:id="rId20"/>
+      <p:bold r:id="rId21"/>
     </p:embeddedFont>
   </p:embeddedFontLst>
   <p:defaultTextStyle>
@@ -1170,110 +1169,6 @@
 </file>
 
 <file path=ppt/notesSlides/notesSlide13.xml><?xml version="1.0" encoding="utf-8"?>
-<p:notes xmlns:a="http://schemas.openxmlformats.org/drawingml/2006/main" xmlns:r="http://schemas.openxmlformats.org/officeDocument/2006/relationships" xmlns:p="http://schemas.openxmlformats.org/presentationml/2006/main" showMasterSp="0" showMasterPhAnim="0">
-  <p:cSld>
-    <p:spTree>
-      <p:nvGrpSpPr>
-        <p:cNvPr id="1" name="Shape 142"/>
-        <p:cNvGrpSpPr/>
-        <p:nvPr/>
-      </p:nvGrpSpPr>
-      <p:grpSpPr>
-        <a:xfrm>
-          <a:off x="0" y="0"/>
-          <a:ext cx="0" cy="0"/>
-          <a:chOff x="0" y="0"/>
-          <a:chExt cx="0" cy="0"/>
-        </a:xfrm>
-      </p:grpSpPr>
-      <p:sp>
-        <p:nvSpPr>
-          <p:cNvPr id="143" name="Google Shape;143;g10b1fb96504_1_14:notes"/>
-          <p:cNvSpPr>
-            <a:spLocks noGrp="1" noRot="1" noChangeAspect="1"/>
-          </p:cNvSpPr>
-          <p:nvPr>
-            <p:ph type="sldImg" idx="2"/>
-          </p:nvPr>
-        </p:nvSpPr>
-        <p:spPr>
-          <a:xfrm>
-            <a:off x="381300" y="685800"/>
-            <a:ext cx="6096000" cy="3429000"/>
-          </a:xfrm>
-          <a:custGeom>
-            <a:avLst/>
-            <a:gdLst/>
-            <a:ahLst/>
-            <a:cxnLst/>
-            <a:rect l="l" t="t" r="r" b="b"/>
-            <a:pathLst>
-              <a:path w="120000" h="120000" extrusionOk="0">
-                <a:moveTo>
-                  <a:pt x="0" y="0"/>
-                </a:moveTo>
-                <a:lnTo>
-                  <a:pt x="120000" y="0"/>
-                </a:lnTo>
-                <a:lnTo>
-                  <a:pt x="120000" y="120000"/>
-                </a:lnTo>
-                <a:lnTo>
-                  <a:pt x="0" y="120000"/>
-                </a:lnTo>
-                <a:close/>
-              </a:path>
-            </a:pathLst>
-          </a:custGeom>
-        </p:spPr>
-      </p:sp>
-      <p:sp>
-        <p:nvSpPr>
-          <p:cNvPr id="144" name="Google Shape;144;g10b1fb96504_1_14:notes"/>
-          <p:cNvSpPr txBox="1">
-            <a:spLocks noGrp="1"/>
-          </p:cNvSpPr>
-          <p:nvPr>
-            <p:ph type="body" idx="1"/>
-          </p:nvPr>
-        </p:nvSpPr>
-        <p:spPr>
-          <a:xfrm>
-            <a:off x="685800" y="4343400"/>
-            <a:ext cx="5486400" cy="4114800"/>
-          </a:xfrm>
-          <a:prstGeom prst="rect">
-            <a:avLst/>
-          </a:prstGeom>
-        </p:spPr>
-        <p:txBody>
-          <a:bodyPr spcFirstLastPara="1" wrap="square" lIns="91425" tIns="91425" rIns="91425" bIns="91425" anchor="t" anchorCtr="0">
-            <a:noAutofit/>
-          </a:bodyPr>
-          <a:lstStyle/>
-          <a:p>
-            <a:pPr marL="0" lvl="0" indent="0" algn="l" rtl="0">
-              <a:spcBef>
-                <a:spcPts val="0"/>
-              </a:spcBef>
-              <a:spcAft>
-                <a:spcPts val="0"/>
-              </a:spcAft>
-              <a:buNone/>
-            </a:pPr>
-            <a:endParaRPr/>
-          </a:p>
-        </p:txBody>
-      </p:sp>
-    </p:spTree>
-  </p:cSld>
-  <p:clrMapOvr>
-    <a:masterClrMapping/>
-  </p:clrMapOvr>
-</p:notes>
-</file>
-
-<file path=ppt/notesSlides/notesSlide14.xml><?xml version="1.0" encoding="utf-8"?>
 <p:notes xmlns:a="http://schemas.openxmlformats.org/drawingml/2006/main" xmlns:r="http://schemas.openxmlformats.org/officeDocument/2006/relationships" xmlns:p="http://schemas.openxmlformats.org/presentationml/2006/main" showMasterSp="0" showMasterPhAnim="0">
   <p:cSld>
     <p:spTree>
@@ -8799,135 +8694,6 @@
   <p:cSld>
     <p:spTree>
       <p:nvGrpSpPr>
-        <p:cNvPr id="1" name="Shape 145"/>
-        <p:cNvGrpSpPr/>
-        <p:nvPr/>
-      </p:nvGrpSpPr>
-      <p:grpSpPr>
-        <a:xfrm>
-          <a:off x="0" y="0"/>
-          <a:ext cx="0" cy="0"/>
-          <a:chOff x="0" y="0"/>
-          <a:chExt cx="0" cy="0"/>
-        </a:xfrm>
-      </p:grpSpPr>
-      <p:sp>
-        <p:nvSpPr>
-          <p:cNvPr id="146" name="Google Shape;146;p25"/>
-          <p:cNvSpPr txBox="1">
-            <a:spLocks noGrp="1"/>
-          </p:cNvSpPr>
-          <p:nvPr>
-            <p:ph type="title"/>
-          </p:nvPr>
-        </p:nvSpPr>
-        <p:spPr>
-          <a:xfrm>
-            <a:off x="387900" y="458025"/>
-            <a:ext cx="8368200" cy="686100"/>
-          </a:xfrm>
-          <a:prstGeom prst="rect">
-            <a:avLst/>
-          </a:prstGeom>
-        </p:spPr>
-        <p:txBody>
-          <a:bodyPr spcFirstLastPara="1" wrap="square" lIns="91425" tIns="91425" rIns="91425" bIns="91425" anchor="b" anchorCtr="0">
-            <a:normAutofit/>
-          </a:bodyPr>
-          <a:lstStyle/>
-          <a:p>
-            <a:pPr marL="0" lvl="0" indent="0" algn="l" rtl="0">
-              <a:spcBef>
-                <a:spcPts val="0"/>
-              </a:spcBef>
-              <a:spcAft>
-                <a:spcPts val="0"/>
-              </a:spcAft>
-              <a:buNone/>
-            </a:pPr>
-            <a:endParaRPr/>
-          </a:p>
-        </p:txBody>
-      </p:sp>
-      <p:sp>
-        <p:nvSpPr>
-          <p:cNvPr id="147" name="Google Shape;147;p25"/>
-          <p:cNvSpPr txBox="1">
-            <a:spLocks noGrp="1"/>
-          </p:cNvSpPr>
-          <p:nvPr>
-            <p:ph type="body" idx="1"/>
-          </p:nvPr>
-        </p:nvSpPr>
-        <p:spPr>
-          <a:xfrm>
-            <a:off x="387900" y="1489824"/>
-            <a:ext cx="8368200" cy="3078900"/>
-          </a:xfrm>
-          <a:prstGeom prst="rect">
-            <a:avLst/>
-          </a:prstGeom>
-        </p:spPr>
-        <p:txBody>
-          <a:bodyPr spcFirstLastPara="1" wrap="square" lIns="91425" tIns="91425" rIns="91425" bIns="91425" anchor="t" anchorCtr="0">
-            <a:normAutofit/>
-          </a:bodyPr>
-          <a:lstStyle/>
-          <a:p>
-            <a:pPr marL="0" lvl="0" indent="0" algn="l" rtl="0">
-              <a:spcBef>
-                <a:spcPts val="0"/>
-              </a:spcBef>
-              <a:spcAft>
-                <a:spcPts val="1200"/>
-              </a:spcAft>
-              <a:buNone/>
-            </a:pPr>
-            <a:endParaRPr/>
-          </a:p>
-        </p:txBody>
-      </p:sp>
-      <p:pic>
-        <p:nvPicPr>
-          <p:cNvPr id="148" name="Google Shape;148;p25"/>
-          <p:cNvPicPr preferRelativeResize="0"/>
-          <p:nvPr/>
-        </p:nvPicPr>
-        <p:blipFill>
-          <a:blip r:embed="rId3">
-            <a:alphaModFix/>
-          </a:blip>
-          <a:stretch>
-            <a:fillRect/>
-          </a:stretch>
-        </p:blipFill>
-        <p:spPr>
-          <a:xfrm>
-            <a:off x="387900" y="1550800"/>
-            <a:ext cx="8368200" cy="2447925"/>
-          </a:xfrm>
-          <a:prstGeom prst="rect">
-            <a:avLst/>
-          </a:prstGeom>
-          <a:noFill/>
-          <a:ln>
-            <a:noFill/>
-          </a:ln>
-        </p:spPr>
-      </p:pic>
-    </p:spTree>
-  </p:cSld>
-  <p:clrMapOvr>
-    <a:masterClrMapping/>
-  </p:clrMapOvr>
-</p:sld>
-</file>
-
-<file path=ppt/slides/slide14.xml><?xml version="1.0" encoding="utf-8"?>
-<p:sld xmlns:a="http://schemas.openxmlformats.org/drawingml/2006/main" xmlns:r="http://schemas.openxmlformats.org/officeDocument/2006/relationships" xmlns:p="http://schemas.openxmlformats.org/presentationml/2006/main">
-  <p:cSld>
-    <p:spTree>
-      <p:nvGrpSpPr>
         <p:cNvPr id="1" name="Shape 152"/>
         <p:cNvGrpSpPr/>
         <p:nvPr/>
